--- a/LAB02_Simulation.pptx
+++ b/LAB02_Simulation.pptx
@@ -240,7 +240,7 @@
           <a:p>
             <a:fld id="{1486A768-F566-435D-8B31-4B575E1428CB}" type="datetimeFigureOut">
               <a:rPr lang="es-CL" smtClean="0"/>
-              <a:t>22-08-2023</a:t>
+              <a:t>27-03-2024</a:t>
             </a:fld>
             <a:endParaRPr lang="es-CL"/>
           </a:p>
@@ -417,7 +417,7 @@
           <a:p>
             <a:fld id="{591E7019-ED3E-4AD8-91B4-A6EE2FDB2B8D}" type="datetimeFigureOut">
               <a:rPr lang="es-CL" smtClean="0"/>
-              <a:t>22-08-2023</a:t>
+              <a:t>27-03-2024</a:t>
             </a:fld>
             <a:endParaRPr lang="es-CL"/>
           </a:p>
@@ -767,7 +767,7 @@
           <a:p>
             <a:fld id="{696D958D-8A38-446E-97A7-6E6D198934E4}" type="datetime1">
               <a:rPr lang="es-CL" smtClean="0"/>
-              <a:t>22-08-2023</a:t>
+              <a:t>27-03-2024</a:t>
             </a:fld>
             <a:endParaRPr lang="es-CL"/>
           </a:p>
@@ -1092,7 +1092,7 @@
           <a:p>
             <a:fld id="{29600E78-1800-4819-83AC-5CF302D83094}" type="datetime1">
               <a:rPr lang="es-CL" smtClean="0"/>
-              <a:t>22-08-2023</a:t>
+              <a:t>27-03-2024</a:t>
             </a:fld>
             <a:endParaRPr lang="es-CL"/>
           </a:p>
@@ -1292,7 +1292,7 @@
           <a:p>
             <a:fld id="{9C025484-0720-44CA-A0C2-6AB092CCAB00}" type="datetime1">
               <a:rPr lang="es-CL" smtClean="0"/>
-              <a:t>22-08-2023</a:t>
+              <a:t>27-03-2024</a:t>
             </a:fld>
             <a:endParaRPr lang="es-CL"/>
           </a:p>
@@ -1502,7 +1502,7 @@
           <a:p>
             <a:fld id="{E29A2190-65DA-483B-991E-448C0275F34D}" type="datetime1">
               <a:rPr lang="es-CL" smtClean="0"/>
-              <a:t>22-08-2023</a:t>
+              <a:t>27-03-2024</a:t>
             </a:fld>
             <a:endParaRPr lang="es-CL"/>
           </a:p>
@@ -1724,7 +1724,7 @@
           <a:p>
             <a:fld id="{63144FD1-67B1-410A-920C-80C1D74E6505}" type="datetime1">
               <a:rPr lang="es-CL" smtClean="0"/>
-              <a:t>22-08-2023</a:t>
+              <a:t>27-03-2024</a:t>
             </a:fld>
             <a:endParaRPr lang="es-CL"/>
           </a:p>
@@ -1929,7 +1929,7 @@
           <a:p>
             <a:fld id="{696D958D-8A38-446E-97A7-6E6D198934E4}" type="datetime1">
               <a:rPr lang="es-CL" smtClean="0"/>
-              <a:t>22-08-2023</a:t>
+              <a:t>27-03-2024</a:t>
             </a:fld>
             <a:endParaRPr lang="es-CL" dirty="0"/>
           </a:p>
@@ -2205,7 +2205,7 @@
           <a:p>
             <a:fld id="{60D195F7-977F-4FE5-9CAD-4F126ABB9781}" type="datetime1">
               <a:rPr lang="es-CL" smtClean="0"/>
-              <a:t>22-08-2023</a:t>
+              <a:t>27-03-2024</a:t>
             </a:fld>
             <a:endParaRPr lang="es-CL"/>
           </a:p>
@@ -2473,7 +2473,7 @@
           <a:p>
             <a:fld id="{1D323A49-8854-405E-8DB5-7E61550D45F4}" type="datetime1">
               <a:rPr lang="es-CL" smtClean="0"/>
-              <a:t>22-08-2023</a:t>
+              <a:t>27-03-2024</a:t>
             </a:fld>
             <a:endParaRPr lang="es-CL"/>
           </a:p>
@@ -2888,7 +2888,7 @@
           <a:p>
             <a:fld id="{3B147FEA-C555-459E-9323-B205CD18A859}" type="datetime1">
               <a:rPr lang="es-CL" smtClean="0"/>
-              <a:t>22-08-2023</a:t>
+              <a:t>27-03-2024</a:t>
             </a:fld>
             <a:endParaRPr lang="es-CL"/>
           </a:p>
@@ -3030,7 +3030,7 @@
           <a:p>
             <a:fld id="{06BFDA37-DC84-4029-8CE5-D878AD4CFCB4}" type="datetime1">
               <a:rPr lang="es-CL" smtClean="0"/>
-              <a:t>22-08-2023</a:t>
+              <a:t>27-03-2024</a:t>
             </a:fld>
             <a:endParaRPr lang="es-CL"/>
           </a:p>
@@ -3143,7 +3143,7 @@
           <a:p>
             <a:fld id="{734CBC66-B5F7-4601-B4E1-AB5411F36ACA}" type="datetime1">
               <a:rPr lang="es-CL" smtClean="0"/>
-              <a:t>22-08-2023</a:t>
+              <a:t>27-03-2024</a:t>
             </a:fld>
             <a:endParaRPr lang="es-CL"/>
           </a:p>
@@ -3456,7 +3456,7 @@
           <a:p>
             <a:fld id="{4FDD4AAB-4AFA-42B5-80D2-CE008FCFB671}" type="datetime1">
               <a:rPr lang="es-CL" smtClean="0"/>
-              <a:t>22-08-2023</a:t>
+              <a:t>27-03-2024</a:t>
             </a:fld>
             <a:endParaRPr lang="es-CL"/>
           </a:p>
@@ -3708,7 +3708,7 @@
           <a:p>
             <a:fld id="{696D958D-8A38-446E-97A7-6E6D198934E4}" type="datetime1">
               <a:rPr lang="es-CL" smtClean="0"/>
-              <a:t>22-08-2023</a:t>
+              <a:t>27-03-2024</a:t>
             </a:fld>
             <a:endParaRPr lang="es-CL"/>
           </a:p>
@@ -5053,7 +5053,7 @@
         <p:spPr>
           <a:xfrm>
             <a:off x="320462" y="1414057"/>
-            <a:ext cx="11149643" cy="5632311"/>
+            <a:ext cx="11149643" cy="5909310"/>
           </a:xfrm>
           <a:prstGeom prst="rect">
             <a:avLst/>
@@ -5086,7 +5086,7 @@
             </a:r>
             <a:r>
               <a:rPr lang="es-CL" b="1" dirty="0"/>
-              <a:t>&lt;1MHz como salida. </a:t>
+              <a:t>&lt;50kHz como salida. </a:t>
             </a:r>
           </a:p>
           <a:p>
@@ -5096,15 +5096,7 @@
             </a:pPr>
             <a:r>
               <a:rPr lang="es-CL" b="1" dirty="0"/>
-              <a:t>Recibir un parámetro de </a:t>
-            </a:r>
-            <a:r>
-              <a:rPr lang="es-CL" b="1" dirty="0" err="1"/>
-              <a:t>entreda</a:t>
-            </a:r>
-            <a:r>
-              <a:rPr lang="es-CL" b="1" dirty="0"/>
-              <a:t> que determine fs.</a:t>
+              <a:t>Recibir un parámetro de entrada que determine fs.</a:t>
             </a:r>
           </a:p>
           <a:p>
@@ -5114,7 +5106,7 @@
             </a:pPr>
             <a:r>
               <a:rPr lang="es-CL" b="1" dirty="0"/>
-              <a:t>Utilice una señal de 32bits para generar la amplitud de la triangular con valores de 0 a 2^32.</a:t>
+              <a:t>Utilice una señal de 10bits para generar la amplitud de la triangular. Para generar la triangular utilice una rampa de subida de 0 a 2^10 y luego una de bajada de 2^10 a 0. Así sucesivamente.</a:t>
             </a:r>
           </a:p>
           <a:p>
@@ -5157,8 +5149,13 @@
           <a:p>
             <a:r>
               <a:rPr lang="es-CL" b="1" dirty="0"/>
-              <a:t>4.- Incorpore una entrada constante “x” a su código VHDL: Esta entrada debe estar en el rango de 0 a 2^32.</a:t>
-            </a:r>
+              <a:t>4.- Incorpore una entrada constante “x” a su código VHDL: Esta entrada debe estar en el rango de 0 </a:t>
+            </a:r>
+            <a:r>
+              <a:rPr lang="es-CL" b="1"/>
+              <a:t>a 2^10.</a:t>
+            </a:r>
+            <a:endParaRPr lang="es-CL" b="1" dirty="0"/>
           </a:p>
           <a:p>
             <a:pPr marL="742950" lvl="1" indent="-285750">
